--- a/SLIDES/7_Files_IO.pptx
+++ b/SLIDES/7_Files_IO.pptx
@@ -205,7 +205,7 @@
             <a:fld id="{42A3342C-3852-B54A-9B2B-7BB377DA06B8}" type="datetimeFigureOut">
               <a:rPr lang="en-US"/>
               <a:pPr/>
-              <a:t>8/4/10</a:t>
+              <a:t>9/21/10</a:t>
             </a:fld>
             <a:endParaRPr lang="en-US"/>
           </a:p>
@@ -952,7 +952,7 @@
             <a:fld id="{7B2D5C49-B1ED-A74F-87E0-F2A876285BBA}" type="datetimeFigureOut">
               <a:rPr lang="en-US"/>
               <a:pPr/>
-              <a:t>8/4/10</a:t>
+              <a:t>9/21/10</a:t>
             </a:fld>
             <a:endParaRPr lang="en-US"/>
           </a:p>
@@ -1144,7 +1144,7 @@
             <a:fld id="{7B2D5C49-B1ED-A74F-87E0-F2A876285BBA}" type="datetimeFigureOut">
               <a:rPr lang="en-US"/>
               <a:pPr/>
-              <a:t>8/4/10</a:t>
+              <a:t>9/21/10</a:t>
             </a:fld>
             <a:endParaRPr lang="en-US"/>
           </a:p>
@@ -1330,7 +1330,7 @@
             <a:fld id="{7B2D5C49-B1ED-A74F-87E0-F2A876285BBA}" type="datetimeFigureOut">
               <a:rPr lang="en-US"/>
               <a:pPr/>
-              <a:t>8/4/10</a:t>
+              <a:t>9/21/10</a:t>
             </a:fld>
             <a:endParaRPr lang="en-US"/>
           </a:p>
@@ -1878,7 +1878,7 @@
             <a:fld id="{7B2D5C49-B1ED-A74F-87E0-F2A876285BBA}" type="datetimeFigureOut">
               <a:rPr lang="en-US"/>
               <a:pPr/>
-              <a:t>8/4/10</a:t>
+              <a:t>9/21/10</a:t>
             </a:fld>
             <a:endParaRPr lang="en-US"/>
           </a:p>
@@ -1997,7 +1997,7 @@
             <a:fld id="{7B2D5C49-B1ED-A74F-87E0-F2A876285BBA}" type="datetimeFigureOut">
               <a:rPr lang="en-US"/>
               <a:pPr/>
-              <a:t>8/4/10</a:t>
+              <a:t>9/21/10</a:t>
             </a:fld>
             <a:endParaRPr lang="en-US"/>
           </a:p>
@@ -2414,7 +2414,7 @@
             <a:fld id="{7B2D5C49-B1ED-A74F-87E0-F2A876285BBA}" type="datetimeFigureOut">
               <a:rPr lang="en-US"/>
               <a:pPr/>
-              <a:t>8/4/10</a:t>
+              <a:t>9/21/10</a:t>
             </a:fld>
             <a:endParaRPr lang="en-US"/>
           </a:p>
@@ -2657,7 +2657,7 @@
             <a:fld id="{7B2D5C49-B1ED-A74F-87E0-F2A876285BBA}" type="datetimeFigureOut">
               <a:rPr lang="en-US"/>
               <a:pPr/>
-              <a:t>8/4/10</a:t>
+              <a:t>9/21/10</a:t>
             </a:fld>
             <a:endParaRPr lang="en-US"/>
           </a:p>
@@ -2894,7 +2894,7 @@
             <a:fld id="{7B2D5C49-B1ED-A74F-87E0-F2A876285BBA}" type="datetimeFigureOut">
               <a:rPr lang="en-US"/>
               <a:pPr/>
-              <a:t>8/4/10</a:t>
+              <a:t>9/21/10</a:t>
             </a:fld>
             <a:endParaRPr lang="en-US"/>
           </a:p>
@@ -3090,7 +3090,7 @@
             <a:fld id="{7B2D5C49-B1ED-A74F-87E0-F2A876285BBA}" type="datetimeFigureOut">
               <a:rPr lang="en-US"/>
               <a:pPr/>
-              <a:t>8/4/10</a:t>
+              <a:t>9/21/10</a:t>
             </a:fld>
             <a:endParaRPr lang="en-US"/>
           </a:p>
@@ -3190,7 +3190,7 @@
             <a:fld id="{7B2D5C49-B1ED-A74F-87E0-F2A876285BBA}" type="datetimeFigureOut">
               <a:rPr lang="en-US"/>
               <a:pPr/>
-              <a:t>8/4/10</a:t>
+              <a:t>9/21/10</a:t>
             </a:fld>
             <a:endParaRPr lang="en-US"/>
           </a:p>
@@ -3327,7 +3327,7 @@
             <a:fld id="{7B2D5C49-B1ED-A74F-87E0-F2A876285BBA}" type="datetimeFigureOut">
               <a:rPr lang="en-US"/>
               <a:pPr/>
-              <a:t>8/4/10</a:t>
+              <a:t>9/21/10</a:t>
             </a:fld>
             <a:endParaRPr lang="en-US"/>
           </a:p>
@@ -3846,7 +3846,7 @@
             <a:fld id="{7B2D5C49-B1ED-A74F-87E0-F2A876285BBA}" type="datetimeFigureOut">
               <a:rPr lang="en-US"/>
               <a:pPr/>
-              <a:t>8/4/10</a:t>
+              <a:t>9/21/10</a:t>
             </a:fld>
             <a:endParaRPr lang="en-US"/>
           </a:p>
@@ -4108,7 +4108,7 @@
             <a:fld id="{7B2D5C49-B1ED-A74F-87E0-F2A876285BBA}" type="datetimeFigureOut">
               <a:rPr lang="en-US"/>
               <a:pPr/>
-              <a:t>8/4/10</a:t>
+              <a:t>9/21/10</a:t>
             </a:fld>
             <a:endParaRPr lang="en-US"/>
           </a:p>
@@ -4984,14 +4984,7 @@
                 <a:latin typeface="Courier New"/>
                 <a:cs typeface="Courier New"/>
               </a:rPr>
-              <a:t>=&gt; </a:t>
-            </a:r>
-            <a:r>
-              <a:rPr lang="en-US" dirty="0" smtClean="0">
-                <a:latin typeface="Courier New"/>
-                <a:cs typeface="Courier New"/>
-              </a:rPr>
-              <a:t>9</a:t>
+              <a:t>=&gt; 9</a:t>
             </a:r>
           </a:p>
           <a:p>
@@ -5035,14 +5028,7 @@
                 <a:latin typeface="Courier New"/>
                 <a:cs typeface="Courier New"/>
               </a:rPr>
-              <a:t>=&gt; </a:t>
-            </a:r>
-            <a:r>
-              <a:rPr lang="en-US" dirty="0" smtClean="0">
-                <a:latin typeface="Courier New"/>
-                <a:cs typeface="Courier New"/>
-              </a:rPr>
-              <a:t>0</a:t>
+              <a:t>=&gt; 0</a:t>
             </a:r>
           </a:p>
           <a:p>
